--- a/答辩_谢思发_2.pptx
+++ b/答辩_谢思发_2.pptx
@@ -1113,10 +1113,6 @@
             <a:rPr lang="zh-CN" altLang="en-US" dirty="0" smtClean="0"/>
             <a:t>总结</a:t>
           </a:r>
-          <a:r>
-            <a:rPr lang="en-US" altLang="zh-CN" dirty="0" smtClean="0"/>
-            <a:t>&amp;QA</a:t>
-          </a:r>
           <a:endParaRPr lang="zh-CN" altLang="en-US" dirty="0"/>
         </a:p>
       </dgm:t>
@@ -1170,43 +1166,6 @@
       </dgm:t>
     </dgm:pt>
     <dgm:pt modelId="{37D959EF-69F0-4A78-8262-9F067805415B}" type="sibTrans" cxnId="{13DF7B95-2C75-462A-988B-0A0FAA3A3870}">
-      <dgm:prSet/>
-      <dgm:spPr/>
-      <dgm:t>
-        <a:bodyPr/>
-        <a:lstStyle/>
-        <a:p>
-          <a:endParaRPr lang="zh-CN" altLang="en-US"/>
-        </a:p>
-      </dgm:t>
-    </dgm:pt>
-    <dgm:pt modelId="{058F937C-D38B-4409-9CBA-48DF51388BF8}">
-      <dgm:prSet phldrT="[文本]"/>
-      <dgm:spPr/>
-      <dgm:t>
-        <a:bodyPr/>
-        <a:lstStyle/>
-        <a:p>
-          <a:r>
-            <a:rPr lang="en-US" altLang="zh-CN" dirty="0" smtClean="0"/>
-            <a:t>QA</a:t>
-          </a:r>
-          <a:endParaRPr lang="zh-CN" altLang="en-US" dirty="0"/>
-        </a:p>
-      </dgm:t>
-    </dgm:pt>
-    <dgm:pt modelId="{DFABA583-F557-4A2E-88C6-9BEA37E3A558}" type="parTrans" cxnId="{C936ACF1-B923-41B4-9050-058845CB372B}">
-      <dgm:prSet/>
-      <dgm:spPr/>
-      <dgm:t>
-        <a:bodyPr/>
-        <a:lstStyle/>
-        <a:p>
-          <a:endParaRPr lang="zh-CN" altLang="en-US"/>
-        </a:p>
-      </dgm:t>
-    </dgm:pt>
-    <dgm:pt modelId="{E89DF4F2-DFE3-4DA1-A01A-D0115EDBDE0C}" type="sibTrans" cxnId="{C936ACF1-B923-41B4-9050-058845CB372B}">
       <dgm:prSet/>
       <dgm:spPr/>
       <dgm:t>
@@ -1389,8 +1348,6 @@
     <dgm:cxn modelId="{C052BA7A-A16C-4EC8-9739-F59CC9814587}" type="presOf" srcId="{647D921A-58D2-4E33-8E0E-0699CBDED852}" destId="{73858CE3-08CA-42CF-BA7C-9995A0474305}" srcOrd="0" destOrd="0" presId="urn:microsoft.com/office/officeart/2005/8/layout/chevron2"/>
     <dgm:cxn modelId="{8CB96068-4D95-45D5-9F85-9FBC9272294C}" srcId="{3AD6E93F-A35D-43B6-9CFC-96FF0A75AD5C}" destId="{AB1DC22C-647B-4C0B-9A62-1E9ADBB07804}" srcOrd="0" destOrd="0" parTransId="{4F0A4EE5-939D-4120-8C8B-6B015BF25698}" sibTransId="{443A11CF-CE45-4CB8-B7A9-CDAE27AE9C05}"/>
     <dgm:cxn modelId="{7153DA19-58AC-442F-BB08-DB55C7B03497}" type="presOf" srcId="{D4F6DEE0-80CD-4787-9504-70BF990BB3D0}" destId="{DD5FD265-BB06-4237-B3BB-0DE9BE808D27}" srcOrd="0" destOrd="0" presId="urn:microsoft.com/office/officeart/2005/8/layout/chevron2"/>
-    <dgm:cxn modelId="{C936ACF1-B923-41B4-9050-058845CB372B}" srcId="{EA68D7F9-9EEC-42E9-A7ED-DDCF9BC6A8B9}" destId="{058F937C-D38B-4409-9CBA-48DF51388BF8}" srcOrd="1" destOrd="0" parTransId="{DFABA583-F557-4A2E-88C6-9BEA37E3A558}" sibTransId="{E89DF4F2-DFE3-4DA1-A01A-D0115EDBDE0C}"/>
-    <dgm:cxn modelId="{1AB2BD65-1E30-46A7-83E5-B304E67A77D9}" type="presOf" srcId="{058F937C-D38B-4409-9CBA-48DF51388BF8}" destId="{596E2842-A23D-46C2-8F1D-B79D8EEB13F3}" srcOrd="0" destOrd="1" presId="urn:microsoft.com/office/officeart/2005/8/layout/chevron2"/>
     <dgm:cxn modelId="{01906577-A3AE-4111-82AE-C718112F3E50}" type="presOf" srcId="{AB1DC22C-647B-4C0B-9A62-1E9ADBB07804}" destId="{5FADD72B-D810-4100-B2CA-1050669762DA}" srcOrd="0" destOrd="0" presId="urn:microsoft.com/office/officeart/2005/8/layout/chevron2"/>
     <dgm:cxn modelId="{B0DD9139-5A56-44CF-8C6A-619883C4166E}" type="presOf" srcId="{EA68D7F9-9EEC-42E9-A7ED-DDCF9BC6A8B9}" destId="{383F45A8-2E61-4D7C-9432-36CBC6FF47A0}" srcOrd="0" destOrd="0" presId="urn:microsoft.com/office/officeart/2005/8/layout/chevron2"/>
     <dgm:cxn modelId="{FC47EFCF-DAA4-4B15-945D-7C57E16D2879}" srcId="{3AD6E93F-A35D-43B6-9CFC-96FF0A75AD5C}" destId="{D4F6DEE0-80CD-4787-9504-70BF990BB3D0}" srcOrd="1" destOrd="0" parTransId="{7808F68B-9344-48D8-895D-79B3B9A20976}" sibTransId="{103C6B4D-62DC-415C-815A-B7AB4C20FAA0}"/>
@@ -1844,10 +1801,6 @@
             <a:rPr lang="zh-CN" altLang="en-US" sz="2300" kern="1200" dirty="0" smtClean="0"/>
             <a:t>总结</a:t>
           </a:r>
-          <a:r>
-            <a:rPr lang="en-US" altLang="zh-CN" sz="2300" kern="1200" dirty="0" smtClean="0"/>
-            <a:t>&amp;QA</a:t>
-          </a:r>
           <a:endParaRPr lang="zh-CN" altLang="en-US" sz="2300" kern="1200" dirty="0"/>
         </a:p>
       </dsp:txBody>
@@ -1925,25 +1878,6 @@
           <a:r>
             <a:rPr lang="zh-CN" altLang="en-US" sz="2000" kern="1200" dirty="0" smtClean="0"/>
             <a:t>总结</a:t>
-          </a:r>
-          <a:endParaRPr lang="zh-CN" altLang="en-US" sz="2000" kern="1200" dirty="0"/>
-        </a:p>
-        <a:p>
-          <a:pPr marL="228600" lvl="1" indent="-228600" algn="l" defTabSz="889000">
-            <a:lnSpc>
-              <a:spcPct val="90000"/>
-            </a:lnSpc>
-            <a:spcBef>
-              <a:spcPct val="0"/>
-            </a:spcBef>
-            <a:spcAft>
-              <a:spcPct val="15000"/>
-            </a:spcAft>
-            <a:buChar char="••"/>
-          </a:pPr>
-          <a:r>
-            <a:rPr lang="en-US" altLang="zh-CN" sz="2000" kern="1200" dirty="0" smtClean="0"/>
-            <a:t>QA</a:t>
           </a:r>
           <a:endParaRPr lang="zh-CN" altLang="en-US" sz="2000" kern="1200" dirty="0"/>
         </a:p>
@@ -3329,7 +3263,7 @@
           <a:p>
             <a:fld id="{EB8767A4-53F2-41FA-8131-E1A00D6717B2}" type="datetimeFigureOut">
               <a:rPr lang="zh-CN" altLang="en-US" smtClean="0"/>
-              <a:t>2016/5/16</a:t>
+              <a:t>2016/5/17</a:t>
             </a:fld>
             <a:endParaRPr lang="zh-CN" altLang="en-US"/>
           </a:p>
@@ -3643,7 +3577,15 @@
           <a:p>
             <a:r>
               <a:rPr lang="zh-CN" altLang="en-US" dirty="0" smtClean="0"/>
-              <a:t>各位老师同学们好，我是谢思发。我今天要答辩的题目是不平衡数据的最优分类阈值研究。我的指导老师是吴梅红老师。</a:t>
+              <a:t>各位老师</a:t>
+            </a:r>
+            <a:r>
+              <a:rPr lang="zh-CN" altLang="en-US" dirty="0" smtClean="0"/>
+              <a:t>同学们下午好</a:t>
+            </a:r>
+            <a:r>
+              <a:rPr lang="zh-CN" altLang="en-US" dirty="0" smtClean="0"/>
+              <a:t>，我是谢思发。我今天要答辩的题目是不平衡数据的最优分类阈值研究。我的指导老师是吴梅红老师。</a:t>
             </a:r>
             <a:endParaRPr lang="zh-CN" altLang="en-US" dirty="0"/>
           </a:p>
@@ -4195,11 +4137,7 @@
           <a:p>
             <a:r>
               <a:rPr lang="zh-CN" altLang="en-US" dirty="0" smtClean="0"/>
-              <a:t>当</a:t>
-            </a:r>
-            <a:r>
-              <a:rPr lang="zh-CN" altLang="en-US" dirty="0" smtClean="0"/>
-              <a:t>找到最优阈值时如何将这个值应用到测试集呢？一开始，我们直接将这个值应用到测试集中，发现效果不好。研究后发现，这是因为训练集和测试集的得分分布不一致造成的。在训练集中，得分可能位于。。。。在后面我们采用的是位置信息的方法。即测试集的最优阈值是通过这个式子计算得到的。</a:t>
+              <a:t>当找到最优阈值时如何将这个值应用到测试集呢？一开始，我们直接将这个值应用到测试集中，发现效果不好。研究后发现，这是因为训练集和测试集的得分分布不一致造成的。在训练集中，得分可能位于。。。。在后面我们采用的是位置信息的方法。即测试集的最优阈值是通过这个式子计算得到的。</a:t>
             </a:r>
             <a:endParaRPr lang="zh-CN" altLang="en-US" dirty="0"/>
           </a:p>
@@ -4383,11 +4321,7 @@
           <a:p>
             <a:r>
               <a:rPr lang="zh-CN" altLang="en-US" dirty="0" smtClean="0"/>
-              <a:t>在实验中，我们采用的是一份蛋白质远程同源检测数据</a:t>
-            </a:r>
-            <a:r>
-              <a:rPr lang="zh-CN" altLang="en-US" dirty="0" smtClean="0"/>
-              <a:t>，这份数据一共包括</a:t>
+              <a:t>在实验中，我们采用的是一份蛋白质远程同源检测数据，这份数据一共包括</a:t>
             </a:r>
             <a:r>
               <a:rPr lang="en-US" altLang="zh-CN" dirty="0" smtClean="0"/>
@@ -4491,11 +4425,7 @@
           <a:p>
             <a:r>
               <a:rPr lang="zh-CN" altLang="en-US" dirty="0" smtClean="0"/>
-              <a:t>首先采用统一阈值的方式进行切分。虽然</a:t>
-            </a:r>
-            <a:r>
-              <a:rPr lang="zh-CN" altLang="en-US" dirty="0" smtClean="0"/>
-              <a:t>前面的</a:t>
+              <a:t>首先采用统一阈值的方式进行切分。虽然前面的</a:t>
             </a:r>
             <a:r>
               <a:rPr lang="en-US" altLang="zh-CN" dirty="0" smtClean="0"/>
@@ -4623,11 +4553,7 @@
             </a:r>
             <a:r>
               <a:rPr lang="zh-CN" altLang="en-US" dirty="0" smtClean="0"/>
-              <a:t>时的分类结果。而采用位置信息的方式，其分类性能要优于直接使用值的</a:t>
-            </a:r>
-            <a:r>
-              <a:rPr lang="zh-CN" altLang="en-US" dirty="0" smtClean="0"/>
-              <a:t>方式，而且也高于阈值设为</a:t>
+              <a:t>时的分类结果。而采用位置信息的方式，其分类性能要优于直接使用值的方式，而且也高于阈值设为</a:t>
             </a:r>
             <a:r>
               <a:rPr lang="en-US" altLang="zh-CN" dirty="0" smtClean="0"/>
@@ -4739,11 +4665,7 @@
             </a:r>
             <a:r>
               <a:rPr lang="zh-CN" altLang="en-US" dirty="0" smtClean="0"/>
-              <a:t>值的增加而增加，而查准率则是在递减。在实际应用中可以</a:t>
-            </a:r>
-            <a:r>
-              <a:rPr lang="zh-CN" altLang="en-US" dirty="0" smtClean="0"/>
-              <a:t>根据需要，调节</a:t>
+              <a:t>值的增加而增加，而查准率则是在递减。在实际应用中可以根据需要，调节</a:t>
             </a:r>
             <a:r>
               <a:rPr lang="en-US" altLang="zh-CN" dirty="0" smtClean="0"/>
@@ -4847,11 +4769,7 @@
             </a:r>
             <a:r>
               <a:rPr lang="zh-CN" altLang="en-US" dirty="0" smtClean="0"/>
-              <a:t>值虽然在相对比较上能衡量不同方式的好坏，但其绝对值似乎并不高。为了证明我们方法的有效性，我们把寻找训练集的最佳阈值的算法直接应用到测试集上，</a:t>
-            </a:r>
-            <a:r>
-              <a:rPr lang="zh-CN" altLang="en-US" dirty="0" smtClean="0"/>
-              <a:t>计算测试集的最优</a:t>
+              <a:t>值虽然在相对比较上能衡量不同方式的好坏，但其绝对值似乎并不高。为了证明我们方法的有效性，我们把寻找训练集的最佳阈值的算法直接应用到测试集上，计算测试集的最优</a:t>
             </a:r>
             <a:r>
               <a:rPr lang="en-US" altLang="zh-CN" dirty="0" smtClean="0"/>
@@ -4987,15 +4905,11 @@
             </a:r>
             <a:r>
               <a:rPr lang="zh-CN" altLang="en-US" dirty="0" smtClean="0"/>
-              <a:t>曲线的优劣。提出寻找最优分类阈值的框架。最后是总结和</a:t>
-            </a:r>
-            <a:r>
-              <a:rPr lang="en-US" altLang="zh-CN" dirty="0" smtClean="0"/>
-              <a:t>QA</a:t>
+              <a:t>曲线的优劣。提出寻找最优分类阈值的框架。最后是</a:t>
             </a:r>
             <a:r>
               <a:rPr lang="zh-CN" altLang="en-US" dirty="0" smtClean="0"/>
-              <a:t>。</a:t>
+              <a:t>总结。</a:t>
             </a:r>
             <a:endParaRPr lang="zh-CN" altLang="en-US" dirty="0"/>
           </a:p>
@@ -5083,11 +4997,15 @@
           <a:p>
             <a:r>
               <a:rPr lang="zh-CN" altLang="en-US" dirty="0" smtClean="0"/>
-              <a:t>不平衡数据分类问题在现实世界中广泛存在，譬如信用卡欺诈，网络入侵，生物诊断等等。在这些问题中，不同类别的数据分布差别很大。一般是存在一个多数类和一个少数类。如欺诈用户要远少于正常用户。网络入侵要远少于正常访问。针对不平衡数据分类的研究成果，可以推动机器学习方法在实际工程中的应用步伐。在后面的介绍中会称少数类为正类，而多数类为负类</a:t>
+              <a:t>不平衡数据分类问题在现实世界中广泛存在，譬如信用卡欺诈，网络入侵，生物诊断等等。在这些问题中，不同类别的数据分布差别很大。一般是存在一个多数类和一个少数类。如欺诈用户要远少于正常用户。网络入侵要远少于正常访问。针对不平衡数据分类的研究成果，可以推动机器学习方法在实际工程中的应用步伐。在后面的介绍中会称少数类为正类，而多数类为负类。传统的分类器在处理不平衡数据时，会出现性能大幅下降的</a:t>
             </a:r>
             <a:r>
               <a:rPr lang="zh-CN" altLang="en-US" dirty="0" smtClean="0"/>
-              <a:t>。传统的分类器在处理不平衡数据时，会出现性能大幅下降的现象。有研究指出如果只是简单的类别分布倾斜并不会造成分类困难。一个感性的认识是，如果不平衡数据是线性可分的，那么传统分类器在这个数据集上不会出现性能大幅的下降的问题。那么是什么造成不平衡数据的分类困难呢？我们结合前人的工作，总结了几个因素。</a:t>
+              <a:t>现象。</a:t>
+            </a:r>
+            <a:r>
+              <a:rPr lang="zh-CN" altLang="en-US" dirty="0" smtClean="0"/>
+              <a:t>那么是什么造成不平衡数据的分类困难呢？我们结合前人的工作，总结了几个因素。</a:t>
             </a:r>
             <a:endParaRPr lang="zh-CN" altLang="en-US" dirty="0"/>
           </a:p>
@@ -5175,15 +5093,7 @@
           <a:p>
             <a:r>
               <a:rPr lang="zh-CN" altLang="en-US" dirty="0" smtClean="0"/>
-              <a:t>首先是小析取项问题，当一个概念由一系列子概念组成，且其中有一些子</a:t>
-            </a:r>
-            <a:r>
-              <a:rPr lang="zh-CN" altLang="en-US" dirty="0" smtClean="0"/>
-              <a:t>概念未被</a:t>
-            </a:r>
-            <a:r>
-              <a:rPr lang="zh-CN" altLang="en-US" dirty="0" smtClean="0"/>
-              <a:t>充分表达时，就会出现小析取项问题。小析取项是一种类内不平衡。这里的红点表示少数类，可以看出少数类是由两个析取项组成。另外还需特别注意在这边是多数类数据，这是多数类的一个小析取项。小析取项的存在极大地增加了问题的复杂性，因为很难知道这些小簇数据是代表一个子概念，还是噪音数据。</a:t>
+              <a:t>首先是小析取项问题，当一个概念由一系列子概念组成，且其中有一些子概念未被充分表达时，就会出现小析取项问题。小析取项是一种类内不平衡。这里的红点表示少数类，可以看出少数类是由两个析取项组成。另外还需特别注意在这边是多数类数据，这是多数类的一个小析取项。小析取项的存在极大地增加了问题的复杂性，因为很难知道这些小簇数据是代表一个子概念，还是噪音数据。</a:t>
             </a:r>
             <a:endParaRPr lang="zh-CN" altLang="en-US" dirty="0"/>
           </a:p>
@@ -5647,23 +5557,7 @@
           <a:p>
             <a:r>
               <a:rPr lang="zh-CN" altLang="en-US" dirty="0" smtClean="0"/>
-              <a:t>解决分布不平衡问题有多种方法，其中一个思路是从性能指标入手。因为学习器优化的目标是使评估指标最大化，可以说衡量指标指导着分类器的建模过程。一个合理的指标有助于模型的学习</a:t>
-            </a:r>
-            <a:r>
-              <a:rPr lang="zh-CN" altLang="en-US" dirty="0" smtClean="0"/>
-              <a:t>。这是二</a:t>
-            </a:r>
-            <a:r>
-              <a:rPr lang="zh-CN" altLang="en-US" dirty="0" smtClean="0"/>
-              <a:t>分类</a:t>
-            </a:r>
-            <a:r>
-              <a:rPr lang="zh-CN" altLang="en-US" dirty="0" smtClean="0"/>
-              <a:t>问题的混淆矩阵。根据</a:t>
-            </a:r>
-            <a:r>
-              <a:rPr lang="zh-CN" altLang="en-US" dirty="0" smtClean="0"/>
-              <a:t>混淆矩阵可以得到以下评估指标 </a:t>
+              <a:t>解决分布不平衡问题有多种方法，其中一个思路是从性能指标入手。因为学习器优化的目标是使评估指标最大化，可以说衡量指标指导着分类器的建模过程。一个合理的指标有助于模型的学习。这是二分类问题的混淆矩阵。根据混淆矩阵可以得到以下评估指标 </a:t>
             </a:r>
             <a:r>
               <a:rPr lang="en-US" altLang="zh-CN" dirty="0" smtClean="0"/>
@@ -6429,7 +6323,7 @@
           <a:p>
             <a:fld id="{37520654-A8E0-4455-BA4E-F5E65D8040F2}" type="datetimeFigureOut">
               <a:rPr lang="zh-CN" altLang="en-US" smtClean="0"/>
-              <a:t>2016/5/16</a:t>
+              <a:t>2016/5/17</a:t>
             </a:fld>
             <a:endParaRPr lang="zh-CN" altLang="en-US"/>
           </a:p>
@@ -7854,8 +7748,8 @@
         </p:nvSpPr>
         <p:spPr bwMode="auto">
           <a:xfrm>
-            <a:off x="11569700" y="44450"/>
-            <a:ext cx="958851" cy="274638"/>
+            <a:off x="11737866" y="86491"/>
+            <a:ext cx="454134" cy="274638"/>
           </a:xfrm>
           <a:prstGeom prst="rect">
             <a:avLst/>
@@ -7895,24 +7789,16 @@
           </a:extLst>
         </p:spPr>
         <p:txBody>
-          <a:bodyPr>
+          <a:bodyPr wrap="square">
             <a:spAutoFit/>
           </a:bodyPr>
           <a:lstStyle/>
           <a:p>
             <a:fld id="{00766F2E-CE8B-4BD9-8683-4C7F64BA825D}" type="slidenum">
-              <a:rPr lang="zh-CN" altLang="en-US" sz="1200"/>
+              <a:rPr lang="zh-CN" altLang="en-US" sz="1200" smtClean="0"/>
               <a:pPr/>
               <a:t>‹#›</a:t>
             </a:fld>
-            <a:r>
-              <a:rPr lang="zh-CN" altLang="en-US" sz="1200" dirty="0" smtClean="0"/>
-              <a:t>/</a:t>
-            </a:r>
-            <a:r>
-              <a:rPr lang="en-US" altLang="zh-CN" sz="1200" dirty="0" smtClean="0"/>
-              <a:t>27</a:t>
-            </a:r>
             <a:endParaRPr lang="zh-CN" altLang="en-US" sz="1200" dirty="0"/>
           </a:p>
         </p:txBody>
@@ -8553,8 +8439,8 @@
         </p:nvSpPr>
         <p:spPr>
           <a:xfrm>
-            <a:off x="5107259" y="5064744"/>
-            <a:ext cx="5586761" cy="1655763"/>
+            <a:off x="6109342" y="5064744"/>
+            <a:ext cx="4951141" cy="1085535"/>
           </a:xfrm>
           <a:prstGeom prst="rect">
             <a:avLst/>
@@ -8564,22 +8450,30 @@
           <a:bodyPr/>
           <a:lstStyle/>
           <a:p>
-            <a:pPr marL="0" indent="0" algn="r">
+            <a:pPr marL="0" indent="0" algn="ctr">
               <a:buNone/>
             </a:pPr>
             <a:r>
               <a:rPr lang="zh-CN" altLang="en-US" sz="2400" dirty="0" smtClean="0"/>
-              <a:t>答  辩  人：谢思发</a:t>
+              <a:t>答  辩  人：谢思</a:t>
+            </a:r>
+            <a:r>
+              <a:rPr lang="zh-CN" altLang="en-US" sz="2400" dirty="0" smtClean="0"/>
+              <a:t>发</a:t>
             </a:r>
             <a:endParaRPr lang="en-US" altLang="zh-CN" sz="2400" dirty="0" smtClean="0"/>
           </a:p>
           <a:p>
-            <a:pPr marL="0" indent="0" algn="r">
+            <a:pPr marL="0" indent="0" algn="ctr">
               <a:buNone/>
             </a:pPr>
             <a:r>
               <a:rPr lang="zh-CN" altLang="en-US" sz="2400" dirty="0" smtClean="0"/>
-              <a:t>指导教师：吴梅红</a:t>
+              <a:t>指导教师：</a:t>
+            </a:r>
+            <a:r>
+              <a:rPr lang="zh-CN" altLang="en-US" sz="2400" dirty="0" smtClean="0"/>
+              <a:t>吴梅红 副教授</a:t>
             </a:r>
             <a:endParaRPr lang="en-US" altLang="zh-CN" sz="2400" dirty="0" smtClean="0"/>
           </a:p>
@@ -8681,23 +8575,7 @@
             </a:r>
             <a:r>
               <a:rPr lang="zh-CN" altLang="en-US" dirty="0" smtClean="0"/>
-              <a:t>曲线</a:t>
-            </a:r>
-            <a:r>
-              <a:rPr lang="zh-CN" altLang="en-US" dirty="0" smtClean="0"/>
-              <a:t>的</a:t>
-            </a:r>
-            <a:r>
-              <a:rPr lang="zh-CN" altLang="en-US" dirty="0" smtClean="0"/>
-              <a:t>不足</a:t>
-            </a:r>
-            <a:r>
-              <a:rPr lang="zh-CN" altLang="en-US" dirty="0" smtClean="0"/>
-              <a:t>：</a:t>
-            </a:r>
-            <a:r>
-              <a:rPr lang="zh-CN" altLang="en-US" dirty="0" smtClean="0"/>
-              <a:t>垃圾负例</a:t>
+              <a:t>曲线的不足：垃圾负例</a:t>
             </a:r>
             <a:endParaRPr lang="en-US" altLang="zh-CN" dirty="0" smtClean="0"/>
           </a:p>
@@ -9433,11 +9311,7 @@
             </a:r>
             <a:r>
               <a:rPr lang="zh-CN" altLang="en-US" dirty="0" smtClean="0"/>
-              <a:t>曲线</a:t>
-            </a:r>
-            <a:r>
-              <a:rPr lang="zh-CN" altLang="en-US" dirty="0" smtClean="0"/>
-              <a:t>的</a:t>
+              <a:t>曲线的</a:t>
             </a:r>
             <a:r>
               <a:rPr lang="zh-CN" altLang="en-US" dirty="0"/>
@@ -11664,8 +11538,8 @@
           </a:p>
         </p:txBody>
       </p:sp>
-      <mc:AlternateContent xmlns:mc="http://schemas.openxmlformats.org/markup-compatibility/2006">
-        <mc:Choice xmlns:a14="http://schemas.microsoft.com/office/drawing/2010/main" Requires="a14">
+      <mc:AlternateContent xmlns:mc="http://schemas.openxmlformats.org/markup-compatibility/2006" xmlns:a14="http://schemas.microsoft.com/office/drawing/2010/main">
+        <mc:Choice Requires="a14">
           <p:sp>
             <p:nvSpPr>
               <p:cNvPr id="3" name="内容占位符 2"/>
@@ -13101,7 +12975,7 @@
             </p:txBody>
           </p:sp>
         </mc:Choice>
-        <mc:Fallback>
+        <mc:Fallback xmlns="">
           <p:sp>
             <p:nvSpPr>
               <p:cNvPr id="3" name="内容占位符 2"/>
@@ -13756,8 +13630,8 @@
           </a:p>
         </p:txBody>
       </p:sp>
-      <mc:AlternateContent xmlns:mc="http://schemas.openxmlformats.org/markup-compatibility/2006">
-        <mc:Choice xmlns:a14="http://schemas.microsoft.com/office/drawing/2010/main" Requires="a14">
+      <mc:AlternateContent xmlns:mc="http://schemas.openxmlformats.org/markup-compatibility/2006" xmlns:a14="http://schemas.microsoft.com/office/drawing/2010/main">
+        <mc:Choice Requires="a14">
           <p:sp>
             <p:nvSpPr>
               <p:cNvPr id="3" name="内容占位符 2"/>
@@ -15139,7 +15013,7 @@
             </p:txBody>
           </p:sp>
         </mc:Choice>
-        <mc:Fallback>
+        <mc:Fallback xmlns="">
           <p:sp>
             <p:nvSpPr>
               <p:cNvPr id="3" name="内容占位符 2"/>
@@ -24534,7 +24408,7 @@
           <p:nvPr>
             <p:extLst>
               <p:ext uri="{D42A27DB-BD31-4B8C-83A1-F6EECF244321}">
-                <p14:modId xmlns:p14="http://schemas.microsoft.com/office/powerpoint/2010/main" val="314887833"/>
+                <p14:modId xmlns:p14="http://schemas.microsoft.com/office/powerpoint/2010/main" val="1878728426"/>
               </p:ext>
             </p:extLst>
           </p:nvPr>
@@ -29790,8 +29664,8 @@
           </p:graphicFrame>
         </mc:Fallback>
       </mc:AlternateContent>
-      <mc:AlternateContent xmlns:mc="http://schemas.openxmlformats.org/markup-compatibility/2006">
-        <mc:Choice xmlns:a14="http://schemas.microsoft.com/office/drawing/2010/main" Requires="a14">
+      <mc:AlternateContent xmlns:mc="http://schemas.openxmlformats.org/markup-compatibility/2006" xmlns:a14="http://schemas.microsoft.com/office/drawing/2010/main">
+        <mc:Choice Requires="a14">
           <p:sp>
             <p:nvSpPr>
               <p:cNvPr id="3" name="矩形 2"/>
@@ -29813,6 +29687,7 @@
               </a:bodyPr>
               <a:lstStyle/>
               <a:p>
+                <a:pPr/>
                 <a14:m>
                   <m:oMathPara xmlns:m="http://schemas.openxmlformats.org/officeDocument/2006/math">
                     <m:oMathParaPr>
@@ -30008,7 +29883,7 @@
             </p:txBody>
           </p:sp>
         </mc:Choice>
-        <mc:Fallback>
+        <mc:Fallback xmlns="">
           <p:sp>
             <p:nvSpPr>
               <p:cNvPr id="3" name="矩形 2"/>
@@ -30566,7 +30441,7 @@
         <p:spPr>
           <a:xfrm>
             <a:off x="1875691" y="1107630"/>
-            <a:ext cx="7561385" cy="4255011"/>
+            <a:ext cx="8733854" cy="4593565"/>
           </a:xfrm>
           <a:prstGeom prst="rect">
             <a:avLst/>
@@ -30587,7 +30462,7 @@
               </a:spcAft>
             </a:pPr>
             <a:r>
-              <a:rPr lang="en-US" altLang="zh-CN" kern="100" dirty="0" smtClean="0">
+              <a:rPr lang="en-US" altLang="zh-CN" sz="2000" kern="100" dirty="0" smtClean="0">
                 <a:solidFill>
                   <a:srgbClr val="000000"/>
                 </a:solidFill>
@@ -30598,7 +30473,7 @@
               <a:t>[1] </a:t>
             </a:r>
             <a:r>
-              <a:rPr lang="zh-CN" altLang="zh-CN" b="1" kern="100" dirty="0" smtClean="0">
+              <a:rPr lang="zh-CN" altLang="zh-CN" sz="2000" b="1" kern="100" dirty="0" smtClean="0">
                 <a:solidFill>
                   <a:srgbClr val="000000"/>
                 </a:solidFill>
@@ -30609,7 +30484,7 @@
               <a:t>谢</a:t>
             </a:r>
             <a:r>
-              <a:rPr lang="zh-CN" altLang="zh-CN" b="1" kern="100" dirty="0">
+              <a:rPr lang="zh-CN" altLang="zh-CN" sz="2000" b="1" kern="100" dirty="0">
                 <a:solidFill>
                   <a:srgbClr val="000000"/>
                 </a:solidFill>
@@ -30620,7 +30495,7 @@
               <a:t>思发</a:t>
             </a:r>
             <a:r>
-              <a:rPr lang="en-US" altLang="zh-CN" kern="100" dirty="0" smtClean="0">
+              <a:rPr lang="en-US" altLang="zh-CN" sz="2000" kern="100" dirty="0" smtClean="0">
                 <a:solidFill>
                   <a:srgbClr val="000000"/>
                 </a:solidFill>
@@ -30631,7 +30506,7 @@
               <a:t>, </a:t>
             </a:r>
             <a:r>
-              <a:rPr lang="zh-CN" altLang="zh-CN" kern="100" dirty="0" smtClean="0">
+              <a:rPr lang="zh-CN" altLang="zh-CN" sz="2000" kern="100" dirty="0" smtClean="0">
                 <a:solidFill>
                   <a:srgbClr val="000000"/>
                 </a:solidFill>
@@ -30642,7 +30517,7 @@
               <a:t>林琛</a:t>
             </a:r>
             <a:r>
-              <a:rPr lang="en-US" altLang="zh-CN" kern="100" dirty="0" smtClean="0">
+              <a:rPr lang="en-US" altLang="zh-CN" sz="2000" kern="100" dirty="0" smtClean="0">
                 <a:solidFill>
                   <a:srgbClr val="000000"/>
                 </a:solidFill>
@@ -30653,7 +30528,7 @@
               <a:t>, </a:t>
             </a:r>
             <a:r>
-              <a:rPr lang="zh-CN" altLang="zh-CN" kern="100" dirty="0" smtClean="0">
+              <a:rPr lang="zh-CN" altLang="zh-CN" sz="2000" kern="100" dirty="0" smtClean="0">
                 <a:solidFill>
                   <a:srgbClr val="000000"/>
                 </a:solidFill>
@@ -30664,7 +30539,7 @@
               <a:t>苏</a:t>
             </a:r>
             <a:r>
-              <a:rPr lang="zh-CN" altLang="zh-CN" kern="100" dirty="0">
+              <a:rPr lang="zh-CN" altLang="zh-CN" sz="2000" kern="100" dirty="0">
                 <a:solidFill>
                   <a:srgbClr val="000000"/>
                 </a:solidFill>
@@ -30675,7 +30550,7 @@
               <a:t>旋</a:t>
             </a:r>
             <a:r>
-              <a:rPr lang="en-US" altLang="zh-CN" kern="100" dirty="0" smtClean="0">
+              <a:rPr lang="en-US" altLang="zh-CN" sz="2000" kern="100" dirty="0" smtClean="0">
                 <a:solidFill>
                   <a:srgbClr val="000000"/>
                 </a:solidFill>
@@ -30686,7 +30561,7 @@
               <a:t>, </a:t>
             </a:r>
             <a:r>
-              <a:rPr lang="zh-CN" altLang="zh-CN" kern="100" dirty="0" smtClean="0">
+              <a:rPr lang="zh-CN" altLang="zh-CN" sz="2000" kern="100" dirty="0" smtClean="0">
                 <a:solidFill>
                   <a:srgbClr val="000000"/>
                 </a:solidFill>
@@ -30697,7 +30572,7 @@
               <a:t>江弋</a:t>
             </a:r>
             <a:r>
-              <a:rPr lang="en-US" altLang="zh-CN" kern="100" dirty="0">
+              <a:rPr lang="en-US" altLang="zh-CN" sz="2000" kern="100" dirty="0">
                 <a:solidFill>
                   <a:srgbClr val="000000"/>
                 </a:solidFill>
@@ -30708,7 +30583,7 @@
               <a:t>.</a:t>
             </a:r>
             <a:r>
-              <a:rPr lang="zh-CN" altLang="zh-CN" kern="100" dirty="0">
+              <a:rPr lang="zh-CN" altLang="zh-CN" sz="2000" kern="100" dirty="0">
                 <a:solidFill>
                   <a:srgbClr val="000000"/>
                 </a:solidFill>
@@ -30719,7 +30594,7 @@
               <a:t>《</a:t>
             </a:r>
             <a:r>
-              <a:rPr lang="en-US" altLang="zh-CN" kern="100" dirty="0">
+              <a:rPr lang="en-US" altLang="zh-CN" sz="2000" kern="100" dirty="0">
                 <a:solidFill>
                   <a:srgbClr val="000000"/>
                 </a:solidFill>
@@ -30730,7 +30605,7 @@
               <a:t>Hadoop</a:t>
             </a:r>
             <a:r>
-              <a:rPr lang="zh-CN" altLang="zh-CN" kern="100" dirty="0">
+              <a:rPr lang="zh-CN" altLang="zh-CN" sz="2000" kern="100" dirty="0">
                 <a:solidFill>
                   <a:srgbClr val="000000"/>
                 </a:solidFill>
@@ -30741,7 +30616,7 @@
               <a:t>平台下热点事件检测》</a:t>
             </a:r>
             <a:r>
-              <a:rPr lang="en-US" altLang="zh-CN" kern="100" dirty="0">
+              <a:rPr lang="en-US" altLang="zh-CN" sz="2000" kern="100" dirty="0">
                 <a:solidFill>
                   <a:srgbClr val="000000"/>
                 </a:solidFill>
@@ -30752,7 +30627,7 @@
               <a:t>[J]</a:t>
             </a:r>
             <a:r>
-              <a:rPr lang="zh-CN" altLang="zh-CN" kern="100" dirty="0">
+              <a:rPr lang="zh-CN" altLang="zh-CN" sz="2000" kern="100" dirty="0">
                 <a:solidFill>
                   <a:srgbClr val="000000"/>
                 </a:solidFill>
@@ -30763,7 +30638,7 @@
               <a:t>小型微型计算机系统</a:t>
             </a:r>
             <a:r>
-              <a:rPr lang="en-US" altLang="zh-CN" kern="100" dirty="0">
+              <a:rPr lang="en-US" altLang="zh-CN" sz="2000" kern="100" dirty="0">
                 <a:solidFill>
                   <a:srgbClr val="000000"/>
                 </a:solidFill>
@@ -30774,7 +30649,7 @@
               <a:t>. Vol.35 No.4,2014</a:t>
             </a:r>
             <a:r>
-              <a:rPr lang="en-US" altLang="zh-CN" kern="100" dirty="0" smtClean="0">
+              <a:rPr lang="en-US" altLang="zh-CN" sz="2000" kern="100" dirty="0" smtClean="0">
                 <a:solidFill>
                   <a:srgbClr val="000000"/>
                 </a:solidFill>
@@ -30784,6 +30659,25 @@
               </a:rPr>
               <a:t>.</a:t>
             </a:r>
+            <a:r>
+              <a:rPr lang="zh-CN" altLang="en-US" sz="2000" kern="100" dirty="0" smtClean="0">
+                <a:solidFill>
+                  <a:srgbClr val="000000"/>
+                </a:solidFill>
+                <a:latin typeface="Times New Roman" panose="02020603050405020304" pitchFamily="18" charset="0"/>
+                <a:ea typeface="宋体" panose="02010600030101010101" pitchFamily="2" charset="-122"/>
+                <a:cs typeface="Times New Roman" panose="02020603050405020304" pitchFamily="18" charset="0"/>
+              </a:rPr>
+              <a:t>（第一作者）</a:t>
+            </a:r>
+            <a:endParaRPr lang="en-US" altLang="zh-CN" sz="2000" kern="100" dirty="0" smtClean="0">
+              <a:solidFill>
+                <a:srgbClr val="000000"/>
+              </a:solidFill>
+              <a:latin typeface="Times New Roman" panose="02020603050405020304" pitchFamily="18" charset="0"/>
+              <a:ea typeface="宋体" panose="02010600030101010101" pitchFamily="2" charset="-122"/>
+              <a:cs typeface="Times New Roman" panose="02020603050405020304" pitchFamily="18" charset="0"/>
+            </a:endParaRPr>
           </a:p>
           <a:p>
             <a:pPr marL="279400" indent="-279400" algn="just">
@@ -30817,7 +30711,7 @@
               <a:t>2] </a:t>
             </a:r>
             <a:r>
-              <a:rPr lang="en-US" altLang="zh-CN" b="1" kern="100" dirty="0">
+              <a:rPr lang="en-US" altLang="zh-CN" sz="2000" b="1" kern="100" dirty="0">
                 <a:solidFill>
                   <a:srgbClr val="000000"/>
                 </a:solidFill>
@@ -30828,7 +30722,7 @@
               <a:t>Si-fa </a:t>
             </a:r>
             <a:r>
-              <a:rPr lang="en-US" altLang="zh-CN" b="1" kern="100" dirty="0" err="1">
+              <a:rPr lang="en-US" altLang="zh-CN" sz="2000" b="1" kern="100" dirty="0" err="1">
                 <a:solidFill>
                   <a:srgbClr val="000000"/>
                 </a:solidFill>
@@ -30839,7 +30733,7 @@
               <a:t>Xie</a:t>
             </a:r>
             <a:r>
-              <a:rPr lang="en-US" altLang="zh-CN" kern="100" dirty="0">
+              <a:rPr lang="en-US" altLang="zh-CN" sz="2000" kern="100" dirty="0">
                 <a:solidFill>
                   <a:srgbClr val="000000"/>
                 </a:solidFill>
@@ -30850,7 +30744,7 @@
               <a:t>, Wei </a:t>
             </a:r>
             <a:r>
-              <a:rPr lang="en-US" altLang="zh-CN" kern="100" dirty="0" err="1">
+              <a:rPr lang="en-US" altLang="zh-CN" sz="2000" kern="100" dirty="0" err="1">
                 <a:solidFill>
                   <a:srgbClr val="000000"/>
                 </a:solidFill>
@@ -30861,7 +30755,7 @@
               <a:t>Weng</a:t>
             </a:r>
             <a:r>
-              <a:rPr lang="en-US" altLang="zh-CN" kern="100" dirty="0">
+              <a:rPr lang="en-US" altLang="zh-CN" sz="2000" kern="100" dirty="0">
                 <a:solidFill>
                   <a:srgbClr val="000000"/>
                 </a:solidFill>
@@ -30872,7 +30766,7 @@
               <a:t>, </a:t>
             </a:r>
             <a:r>
-              <a:rPr lang="en-US" altLang="zh-CN" kern="100" dirty="0" err="1">
+              <a:rPr lang="en-US" altLang="zh-CN" sz="2000" kern="100" dirty="0" err="1">
                 <a:solidFill>
                   <a:srgbClr val="000000"/>
                 </a:solidFill>
@@ -30883,7 +30777,7 @@
               <a:t>Ke</a:t>
             </a:r>
             <a:r>
-              <a:rPr lang="en-US" altLang="zh-CN" kern="100" dirty="0">
+              <a:rPr lang="en-US" altLang="zh-CN" sz="2000" kern="100" dirty="0">
                 <a:solidFill>
                   <a:srgbClr val="000000"/>
                 </a:solidFill>
@@ -30894,7 +30788,7 @@
               <a:t> Chen, </a:t>
             </a:r>
             <a:r>
-              <a:rPr lang="en-US" altLang="zh-CN" kern="100" dirty="0" err="1">
+              <a:rPr lang="en-US" altLang="zh-CN" sz="2000" kern="100" dirty="0" err="1">
                 <a:solidFill>
                   <a:srgbClr val="000000"/>
                 </a:solidFill>
@@ -30905,7 +30799,7 @@
               <a:t>Xiangrong</a:t>
             </a:r>
             <a:r>
-              <a:rPr lang="en-US" altLang="zh-CN" kern="100" dirty="0">
+              <a:rPr lang="en-US" altLang="zh-CN" sz="2000" kern="100" dirty="0">
                 <a:solidFill>
                   <a:srgbClr val="000000"/>
                 </a:solidFill>
@@ -30916,7 +30810,7 @@
               <a:t> Liu. Identifying Reliable Posts And Users In Online Social </a:t>
             </a:r>
             <a:r>
-              <a:rPr lang="en-US" altLang="zh-CN" kern="100" dirty="0" err="1">
+              <a:rPr lang="en-US" altLang="zh-CN" sz="2000" kern="100" dirty="0" err="1">
                 <a:solidFill>
                   <a:srgbClr val="000000"/>
                 </a:solidFill>
@@ -30927,7 +30821,7 @@
               <a:t>Networks.International</a:t>
             </a:r>
             <a:r>
-              <a:rPr lang="en-US" altLang="zh-CN" kern="100" dirty="0">
+              <a:rPr lang="en-US" altLang="zh-CN" sz="2000" kern="100" dirty="0">
                 <a:solidFill>
                   <a:srgbClr val="000000"/>
                 </a:solidFill>
@@ -30935,9 +30829,31 @@
                 <a:ea typeface="宋体" panose="02010600030101010101" pitchFamily="2" charset="-122"/>
                 <a:cs typeface="Times New Roman" panose="02020603050405020304" pitchFamily="18" charset="0"/>
               </a:rPr>
-              <a:t>.[J]Journal of Pattern Recognition and Artificial Intelligence (IJPRAI),Vol.28 No.6, 2014.</a:t>
-            </a:r>
-            <a:endParaRPr lang="zh-CN" altLang="zh-CN" sz="2400" b="1" kern="100" dirty="0">
+              <a:t>.[J]Journal of Pattern Recognition and Artificial Intelligence (IJPRAI),Vol.28 No.6, 2014</a:t>
+            </a:r>
+            <a:r>
+              <a:rPr lang="en-US" altLang="zh-CN" sz="2000" kern="100" dirty="0" smtClean="0">
+                <a:solidFill>
+                  <a:srgbClr val="000000"/>
+                </a:solidFill>
+                <a:latin typeface="Times New Roman" panose="02020603050405020304" pitchFamily="18" charset="0"/>
+                <a:ea typeface="宋体" panose="02010600030101010101" pitchFamily="2" charset="-122"/>
+                <a:cs typeface="Times New Roman" panose="02020603050405020304" pitchFamily="18" charset="0"/>
+              </a:rPr>
+              <a:t>.</a:t>
+            </a:r>
+            <a:r>
+              <a:rPr lang="zh-CN" altLang="en-US" sz="2000" kern="100" dirty="0">
+                <a:solidFill>
+                  <a:srgbClr val="000000"/>
+                </a:solidFill>
+                <a:latin typeface="Times New Roman" panose="02020603050405020304" pitchFamily="18" charset="0"/>
+                <a:ea typeface="宋体" panose="02010600030101010101" pitchFamily="2" charset="-122"/>
+                <a:cs typeface="Times New Roman" panose="02020603050405020304" pitchFamily="18" charset="0"/>
+              </a:rPr>
+              <a:t> （第一作者）</a:t>
+            </a:r>
+            <a:endParaRPr lang="zh-CN" altLang="zh-CN" sz="2000" b="1" kern="100" dirty="0">
               <a:latin typeface="等线 Light" panose="02010600030101010101" pitchFamily="2" charset="-122"/>
               <a:ea typeface="等线 Light" panose="02010600030101010101" pitchFamily="2" charset="-122"/>
               <a:cs typeface="Times New Roman" panose="02020603050405020304" pitchFamily="18" charset="0"/>
@@ -30953,7 +30869,7 @@
               </a:spcAft>
             </a:pPr>
             <a:r>
-              <a:rPr lang="en-US" altLang="zh-CN" kern="100" dirty="0">
+              <a:rPr lang="en-US" altLang="zh-CN" sz="2000" kern="100" dirty="0">
                 <a:solidFill>
                   <a:srgbClr val="000000"/>
                 </a:solidFill>
@@ -30964,7 +30880,7 @@
               <a:t>[3</a:t>
             </a:r>
             <a:r>
-              <a:rPr lang="en-US" altLang="zh-CN" b="1" kern="100" dirty="0">
+              <a:rPr lang="en-US" altLang="zh-CN" sz="2000" b="1" kern="100" dirty="0">
                 <a:solidFill>
                   <a:srgbClr val="000000"/>
                 </a:solidFill>
@@ -30975,7 +30891,7 @@
               <a:t>] Si-fa </a:t>
             </a:r>
             <a:r>
-              <a:rPr lang="en-US" altLang="zh-CN" b="1" kern="100" dirty="0" err="1">
+              <a:rPr lang="en-US" altLang="zh-CN" sz="2000" b="1" kern="100" dirty="0" err="1">
                 <a:solidFill>
                   <a:srgbClr val="000000"/>
                 </a:solidFill>
@@ -30986,7 +30902,7 @@
               <a:t>Xie</a:t>
             </a:r>
             <a:r>
-              <a:rPr lang="en-US" altLang="zh-CN" kern="100" dirty="0">
+              <a:rPr lang="en-US" altLang="zh-CN" sz="2000" kern="100" dirty="0">
                 <a:solidFill>
                   <a:srgbClr val="000000"/>
                 </a:solidFill>
@@ -30994,9 +30910,42 @@
                 <a:ea typeface="宋体" panose="02010600030101010101" pitchFamily="2" charset="-122"/>
                 <a:cs typeface="Times New Roman" panose="02020603050405020304" pitchFamily="18" charset="0"/>
               </a:rPr>
-              <a:t>, Pei Li, Yi Jiang, Y Zhao. A Discriminative Method For Protein Remote Homology Detection Based On N-Gram.[J]Genetics and Molecular Research(GMR).2015</a:t>
-            </a:r>
-            <a:endParaRPr lang="zh-CN" altLang="zh-CN" sz="2400" b="1" kern="100" dirty="0">
+              <a:t>, Pei Li, Yi Jiang, Y Zhao. A Discriminative Method For Protein Remote Homology Detection Based On N-Gram.[J]Genetics and Molecular Research(GMR).</a:t>
+            </a:r>
+            <a:r>
+              <a:rPr lang="en-US" altLang="zh-CN" sz="2000" kern="100" dirty="0" smtClean="0">
+                <a:solidFill>
+                  <a:srgbClr val="000000"/>
+                </a:solidFill>
+                <a:latin typeface="Times New Roman" panose="02020603050405020304" pitchFamily="18" charset="0"/>
+                <a:ea typeface="宋体" panose="02010600030101010101" pitchFamily="2" charset="-122"/>
+                <a:cs typeface="Times New Roman" panose="02020603050405020304" pitchFamily="18" charset="0"/>
+              </a:rPr>
+              <a:t>2015</a:t>
+            </a:r>
+            <a:r>
+              <a:rPr lang="en-US" altLang="zh-CN" sz="2000" kern="100" dirty="0" smtClean="0">
+                <a:solidFill>
+                  <a:srgbClr val="000000"/>
+                </a:solidFill>
+                <a:latin typeface="Times New Roman" panose="02020603050405020304" pitchFamily="18" charset="0"/>
+                <a:ea typeface="宋体" panose="02010600030101010101" pitchFamily="2" charset="-122"/>
+                <a:cs typeface="Times New Roman" panose="02020603050405020304" pitchFamily="18" charset="0"/>
+              </a:rPr>
+              <a:t>.</a:t>
+            </a:r>
+            <a:r>
+              <a:rPr lang="zh-CN" altLang="en-US" sz="2000" kern="100" dirty="0">
+                <a:solidFill>
+                  <a:srgbClr val="000000"/>
+                </a:solidFill>
+                <a:latin typeface="Times New Roman" panose="02020603050405020304" pitchFamily="18" charset="0"/>
+                <a:ea typeface="宋体" panose="02010600030101010101" pitchFamily="2" charset="-122"/>
+                <a:cs typeface="Times New Roman" panose="02020603050405020304" pitchFamily="18" charset="0"/>
+              </a:rPr>
+              <a:t> （第一作者）</a:t>
+            </a:r>
+            <a:endParaRPr lang="zh-CN" altLang="zh-CN" sz="2000" b="1" kern="100" dirty="0">
               <a:latin typeface="等线 Light" panose="02010600030101010101" pitchFamily="2" charset="-122"/>
               <a:ea typeface="等线 Light" panose="02010600030101010101" pitchFamily="2" charset="-122"/>
               <a:cs typeface="Times New Roman" panose="02020603050405020304" pitchFamily="18" charset="0"/>
@@ -31012,7 +30961,7 @@
               </a:spcAft>
             </a:pPr>
             <a:r>
-              <a:rPr lang="en-US" altLang="zh-CN" kern="100" dirty="0">
+              <a:rPr lang="en-US" altLang="zh-CN" sz="2000" kern="100" dirty="0">
                 <a:solidFill>
                   <a:srgbClr val="000000"/>
                 </a:solidFill>
@@ -31023,7 +30972,7 @@
               <a:t>[4] </a:t>
             </a:r>
             <a:r>
-              <a:rPr lang="en-US" altLang="zh-CN" kern="100" dirty="0" err="1">
+              <a:rPr lang="en-US" altLang="zh-CN" sz="2000" kern="100" dirty="0" err="1">
                 <a:solidFill>
                   <a:srgbClr val="000000"/>
                 </a:solidFill>
@@ -31034,7 +30983,7 @@
               <a:t>Quan</a:t>
             </a:r>
             <a:r>
-              <a:rPr lang="en-US" altLang="zh-CN" kern="100" dirty="0">
+              <a:rPr lang="en-US" altLang="zh-CN" sz="2000" kern="100" dirty="0">
                 <a:solidFill>
                   <a:srgbClr val="000000"/>
                 </a:solidFill>
@@ -31045,7 +30994,7 @@
               <a:t> Zou, </a:t>
             </a:r>
             <a:r>
-              <a:rPr lang="en-US" altLang="zh-CN" b="1" kern="100" dirty="0" err="1">
+              <a:rPr lang="en-US" altLang="zh-CN" sz="2000" b="1" kern="100" dirty="0" err="1">
                 <a:solidFill>
                   <a:srgbClr val="000000"/>
                 </a:solidFill>
@@ -31056,7 +31005,7 @@
               <a:t>Sifa</a:t>
             </a:r>
             <a:r>
-              <a:rPr lang="en-US" altLang="zh-CN" b="1" kern="100" dirty="0">
+              <a:rPr lang="en-US" altLang="zh-CN" sz="2000" b="1" kern="100" dirty="0">
                 <a:solidFill>
                   <a:srgbClr val="000000"/>
                 </a:solidFill>
@@ -31067,7 +31016,7 @@
               <a:t> </a:t>
             </a:r>
             <a:r>
-              <a:rPr lang="en-US" altLang="zh-CN" b="1" kern="100" dirty="0" err="1">
+              <a:rPr lang="en-US" altLang="zh-CN" sz="2000" b="1" kern="100" dirty="0" err="1">
                 <a:solidFill>
                   <a:srgbClr val="000000"/>
                 </a:solidFill>
@@ -31078,7 +31027,7 @@
               <a:t>Xie</a:t>
             </a:r>
             <a:r>
-              <a:rPr lang="en-US" altLang="zh-CN" kern="100" dirty="0">
+              <a:rPr lang="en-US" altLang="zh-CN" sz="2000" kern="100" dirty="0">
                 <a:solidFill>
                   <a:srgbClr val="000000"/>
                 </a:solidFill>
@@ -31089,7 +31038,7 @@
               <a:t>, </a:t>
             </a:r>
             <a:r>
-              <a:rPr lang="en-US" altLang="zh-CN" kern="100" dirty="0" err="1">
+              <a:rPr lang="en-US" altLang="zh-CN" sz="2000" kern="100" dirty="0" err="1">
                 <a:solidFill>
                   <a:srgbClr val="000000"/>
                 </a:solidFill>
@@ -31100,7 +31049,7 @@
               <a:t>Ziyu</a:t>
             </a:r>
             <a:r>
-              <a:rPr lang="en-US" altLang="zh-CN" kern="100" dirty="0">
+              <a:rPr lang="en-US" altLang="zh-CN" sz="2000" kern="100" dirty="0">
                 <a:solidFill>
                   <a:srgbClr val="000000"/>
                 </a:solidFill>
@@ -31111,7 +31060,7 @@
               <a:t> Lin, </a:t>
             </a:r>
             <a:r>
-              <a:rPr lang="en-US" altLang="zh-CN" kern="100" dirty="0" err="1">
+              <a:rPr lang="en-US" altLang="zh-CN" sz="2000" kern="100" dirty="0" err="1">
                 <a:solidFill>
                   <a:srgbClr val="000000"/>
                 </a:solidFill>
@@ -31122,7 +31071,7 @@
               <a:t>Meihong</a:t>
             </a:r>
             <a:r>
-              <a:rPr lang="en-US" altLang="zh-CN" kern="100" dirty="0">
+              <a:rPr lang="en-US" altLang="zh-CN" sz="2000" kern="100" dirty="0">
                 <a:solidFill>
                   <a:srgbClr val="000000"/>
                 </a:solidFill>
@@ -31133,7 +31082,7 @@
               <a:t> Wu, Ying </a:t>
             </a:r>
             <a:r>
-              <a:rPr lang="en-US" altLang="zh-CN" kern="100" dirty="0" err="1">
+              <a:rPr lang="en-US" altLang="zh-CN" sz="2000" kern="100" dirty="0" err="1">
                 <a:solidFill>
                   <a:srgbClr val="000000"/>
                 </a:solidFill>
@@ -31144,7 +31093,7 @@
               <a:t>Ju</a:t>
             </a:r>
             <a:r>
-              <a:rPr lang="en-US" altLang="zh-CN" kern="100" dirty="0">
+              <a:rPr lang="en-US" altLang="zh-CN" sz="2000" kern="100" dirty="0">
                 <a:solidFill>
                   <a:srgbClr val="000000"/>
                 </a:solidFill>
@@ -31155,7 +31104,7 @@
               <a:t>. Finding the Best </a:t>
             </a:r>
             <a:r>
-              <a:rPr lang="en-US" altLang="zh-CN" kern="100" dirty="0" err="1">
+              <a:rPr lang="en-US" altLang="zh-CN" sz="2000" kern="100" dirty="0" err="1">
                 <a:solidFill>
                   <a:srgbClr val="000000"/>
                 </a:solidFill>
@@ -31166,7 +31115,7 @@
               <a:t>Classifiaction</a:t>
             </a:r>
             <a:r>
-              <a:rPr lang="en-US" altLang="zh-CN" kern="100" dirty="0">
+              <a:rPr lang="en-US" altLang="zh-CN" sz="2000" kern="100" dirty="0">
                 <a:solidFill>
                   <a:srgbClr val="000000"/>
                 </a:solidFill>
@@ -31177,7 +31126,7 @@
               <a:t> </a:t>
             </a:r>
             <a:r>
-              <a:rPr lang="en-US" altLang="zh-CN" kern="100" dirty="0" err="1">
+              <a:rPr lang="en-US" altLang="zh-CN" sz="2000" kern="100" dirty="0" err="1">
                 <a:solidFill>
                   <a:srgbClr val="000000"/>
                 </a:solidFill>
@@ -31188,7 +31137,7 @@
               <a:t>Thresholdin</a:t>
             </a:r>
             <a:r>
-              <a:rPr lang="en-US" altLang="zh-CN" kern="100" dirty="0">
+              <a:rPr lang="en-US" altLang="zh-CN" sz="2000" kern="100" dirty="0">
                 <a:solidFill>
                   <a:srgbClr val="000000"/>
                 </a:solidFill>
@@ -31196,9 +31145,75 @@
                 <a:ea typeface="宋体" panose="02010600030101010101" pitchFamily="2" charset="-122"/>
                 <a:cs typeface="Times New Roman" panose="02020603050405020304" pitchFamily="18" charset="0"/>
               </a:rPr>
-              <a:t> Imbalanced Classification.[J]Big Data Research.2016.</a:t>
-            </a:r>
-            <a:endParaRPr lang="zh-CN" altLang="zh-CN" sz="2400" b="1" kern="100" dirty="0">
+              <a:t> Imbalanced Classification.[J]Big Data Research.2016</a:t>
+            </a:r>
+            <a:r>
+              <a:rPr lang="en-US" altLang="zh-CN" sz="2000" kern="100" dirty="0" smtClean="0">
+                <a:solidFill>
+                  <a:srgbClr val="000000"/>
+                </a:solidFill>
+                <a:latin typeface="Times New Roman" panose="02020603050405020304" pitchFamily="18" charset="0"/>
+                <a:ea typeface="宋体" panose="02010600030101010101" pitchFamily="2" charset="-122"/>
+                <a:cs typeface="Times New Roman" panose="02020603050405020304" pitchFamily="18" charset="0"/>
+              </a:rPr>
+              <a:t>.</a:t>
+            </a:r>
+            <a:r>
+              <a:rPr lang="zh-CN" altLang="en-US" sz="2000" kern="100" dirty="0">
+                <a:solidFill>
+                  <a:srgbClr val="000000"/>
+                </a:solidFill>
+                <a:latin typeface="Times New Roman" panose="02020603050405020304" pitchFamily="18" charset="0"/>
+                <a:ea typeface="宋体" panose="02010600030101010101" pitchFamily="2" charset="-122"/>
+                <a:cs typeface="Times New Roman" panose="02020603050405020304" pitchFamily="18" charset="0"/>
+              </a:rPr>
+              <a:t> （</a:t>
+            </a:r>
+            <a:r>
+              <a:rPr lang="zh-CN" altLang="en-US" sz="2000" kern="100" dirty="0" smtClean="0">
+                <a:solidFill>
+                  <a:srgbClr val="000000"/>
+                </a:solidFill>
+                <a:latin typeface="Times New Roman" panose="02020603050405020304" pitchFamily="18" charset="0"/>
+                <a:ea typeface="宋体" panose="02010600030101010101" pitchFamily="2" charset="-122"/>
+                <a:cs typeface="Times New Roman" panose="02020603050405020304" pitchFamily="18" charset="0"/>
+              </a:rPr>
+              <a:t>第</a:t>
+            </a:r>
+            <a:r>
+              <a:rPr lang="zh-CN" altLang="en-US" sz="2000" kern="100" dirty="0">
+                <a:solidFill>
+                  <a:srgbClr val="000000"/>
+                </a:solidFill>
+                <a:latin typeface="Times New Roman" panose="02020603050405020304" pitchFamily="18" charset="0"/>
+                <a:ea typeface="宋体" panose="02010600030101010101" pitchFamily="2" charset="-122"/>
+                <a:cs typeface="Times New Roman" panose="02020603050405020304" pitchFamily="18" charset="0"/>
+              </a:rPr>
+              <a:t>二</a:t>
+            </a:r>
+            <a:r>
+              <a:rPr lang="zh-CN" altLang="en-US" sz="2000" kern="100" dirty="0" smtClean="0">
+                <a:solidFill>
+                  <a:srgbClr val="000000"/>
+                </a:solidFill>
+                <a:latin typeface="Times New Roman" panose="02020603050405020304" pitchFamily="18" charset="0"/>
+                <a:ea typeface="宋体" panose="02010600030101010101" pitchFamily="2" charset="-122"/>
+                <a:cs typeface="Times New Roman" panose="02020603050405020304" pitchFamily="18" charset="0"/>
+              </a:rPr>
+              <a:t>作者</a:t>
+            </a:r>
+            <a:r>
+              <a:rPr lang="zh-CN" altLang="en-US" sz="2000" kern="100" dirty="0">
+                <a:solidFill>
+                  <a:srgbClr val="000000"/>
+                </a:solidFill>
+                <a:latin typeface="Times New Roman" panose="02020603050405020304" pitchFamily="18" charset="0"/>
+                <a:ea typeface="宋体" panose="02010600030101010101" pitchFamily="2" charset="-122"/>
+                <a:cs typeface="Times New Roman" panose="02020603050405020304" pitchFamily="18" charset="0"/>
+              </a:rPr>
+              <a:t>）</a:t>
+            </a:r>
+            <a:endParaRPr lang="zh-CN" altLang="zh-CN" sz="2000" b="1" kern="100" dirty="0">
               <a:effectLst/>
               <a:latin typeface="等线 Light" panose="02010600030101010101" pitchFamily="2" charset="-122"/>
               <a:ea typeface="等线 Light" panose="02010600030101010101" pitchFamily="2" charset="-122"/>
@@ -33574,8 +33589,8 @@
           </a:p>
         </p:txBody>
       </p:sp>
-      <mc:AlternateContent xmlns:mc="http://schemas.openxmlformats.org/markup-compatibility/2006" xmlns:a14="http://schemas.microsoft.com/office/drawing/2010/main">
-        <mc:Choice Requires="a14">
+      <mc:AlternateContent xmlns:mc="http://schemas.openxmlformats.org/markup-compatibility/2006">
+        <mc:Choice xmlns:a14="http://schemas.microsoft.com/office/drawing/2010/main" Requires="a14">
           <p:sp>
             <p:nvSpPr>
               <p:cNvPr id="3" name="内容占位符 2"/>
@@ -33879,7 +33894,7 @@
                 </a:pPr>
                 <a:r>
                   <a:rPr lang="en-US" altLang="zh-CN" dirty="0" smtClean="0"/>
-                  <a:t>F-Measure              </a:t>
+                  <a:t>F-score              </a:t>
                 </a:r>
                 <a14:m>
                   <m:oMath xmlns:m="http://schemas.openxmlformats.org/officeDocument/2006/math">
@@ -34284,7 +34299,7 @@
             </p:txBody>
           </p:sp>
         </mc:Choice>
-        <mc:Fallback xmlns="">
+        <mc:Fallback>
           <p:sp>
             <p:nvSpPr>
               <p:cNvPr id="3" name="内容占位符 2"/>
